--- a/lectures/E02-The-Review/E02 - The Review.pptx
+++ b/lectures/E02-The-Review/E02 - The Review.pptx
@@ -42,22 +42,6 @@
   </p:sldIdLst>
   <p:sldSz cx="9144000" cy="5715000" type="screen16x10"/>
   <p:notesSz cx="7099300" cy="10234613"/>
-  <p:embeddedFontLst>
-    <p:embeddedFont>
-      <p:font typeface="Minya Nouvelle" charset="0"/>
-      <p:regular r:id="rId32"/>
-      <p:bold r:id="rId33"/>
-      <p:italic r:id="rId34"/>
-      <p:boldItalic r:id="rId35"/>
-    </p:embeddedFont>
-    <p:embeddedFont>
-      <p:font typeface="Calibri" pitchFamily="34" charset="0"/>
-      <p:regular r:id="rId36"/>
-      <p:bold r:id="rId37"/>
-      <p:italic r:id="rId38"/>
-      <p:boldItalic r:id="rId39"/>
-    </p:embeddedFont>
-  </p:embeddedFontLst>
   <p:defaultTextStyle>
     <a:defPPr>
       <a:defRPr lang="sv-SE"/>
@@ -239,7 +223,7 @@
             <a:fld id="{D591C14E-198E-48A7-ABEC-7FB80E868E55}" type="datetimeFigureOut">
               <a:rPr lang="sv-SE" smtClean="0"/>
               <a:pPr/>
-              <a:t>2012-11-12</a:t>
+              <a:t>2013-11-12</a:t>
             </a:fld>
             <a:endParaRPr lang="sv-SE"/>
           </a:p>
@@ -406,7 +390,7 @@
             <a:fld id="{188BB863-C913-48B5-BD1A-638D82A0C76B}" type="datetimeFigureOut">
               <a:rPr lang="sv-SE" smtClean="0"/>
               <a:pPr/>
-              <a:t>2012-11-12</a:t>
+              <a:t>2013-11-12</a:t>
             </a:fld>
             <a:endParaRPr lang="sv-SE"/>
           </a:p>
@@ -2369,7 +2353,7 @@
   <p:timing>
     <p:tnLst>
       <p:par>
-        <p:cTn id="1" dur="indefinite" restart="never" nodeType="tmRoot"/>
+        <p:cTn xmlns:p14="http://schemas.microsoft.com/office/powerpoint/2010/main" id="1" dur="indefinite" restart="never" nodeType="tmRoot"/>
       </p:par>
     </p:tnLst>
   </p:timing>
@@ -2594,7 +2578,7 @@
   <p:timing>
     <p:tnLst>
       <p:par>
-        <p:cTn id="1" dur="indefinite" restart="never" nodeType="tmRoot"/>
+        <p:cTn xmlns:p14="http://schemas.microsoft.com/office/powerpoint/2010/main" id="1" dur="indefinite" restart="never" nodeType="tmRoot"/>
       </p:par>
     </p:tnLst>
   </p:timing>
@@ -8634,7 +8618,7 @@
         <p:spPr>
           <a:xfrm>
             <a:off x="395536" y="1201316"/>
-            <a:ext cx="3950120" cy="954107"/>
+            <a:ext cx="3996131" cy="954107"/>
           </a:xfrm>
           <a:prstGeom prst="rect">
             <a:avLst/>
@@ -8657,7 +8641,7 @@
               <a:rPr lang="sv-SE" sz="2800" b="1" dirty="0" smtClean="0">
                 <a:latin typeface="Minya Nouvelle" pitchFamily="2" charset="0"/>
               </a:rPr>
-              <a:t>HT2012</a:t>
+              <a:t>HT2013</a:t>
             </a:r>
             <a:endParaRPr lang="sv-SE" sz="2800" b="1" dirty="0" smtClean="0">
               <a:latin typeface="Minya Nouvelle" pitchFamily="2" charset="0"/>
@@ -8748,7 +8732,7 @@
           </a:prstGeom>
           <a:noFill/>
           <a:extLst>
-            <a:ext uri="{909E8E84-426E-40DD-AFC4-6F175D3DCCD1}">
+            <a:ext uri="{909E8E84-426E-40dd-AFC4-6F175D3DCCD1}">
               <a14:hiddenFill xmlns:a14="http://schemas.microsoft.com/office/drawing/2010/main">
                 <a:solidFill>
                   <a:srgbClr val="FFFFFF"/>
@@ -8803,7 +8787,7 @@
   <p:timing>
     <p:tnLst>
       <p:par>
-        <p:cTn id="1" dur="indefinite" restart="never" nodeType="tmRoot"/>
+        <p:cTn xmlns:p14="http://schemas.microsoft.com/office/powerpoint/2010/main" id="1" dur="indefinite" restart="never" nodeType="tmRoot"/>
       </p:par>
     </p:tnLst>
   </p:timing>
@@ -8971,7 +8955,7 @@
           </a:prstGeom>
           <a:noFill/>
           <a:extLst>
-            <a:ext uri="{909E8E84-426E-40DD-AFC4-6F175D3DCCD1}">
+            <a:ext uri="{909E8E84-426E-40dd-AFC4-6F175D3DCCD1}">
               <a14:hiddenFill xmlns:a14="http://schemas.microsoft.com/office/drawing/2010/main">
                 <a:solidFill>
                   <a:srgbClr val="FFFFFF"/>
@@ -9010,7 +8994,7 @@
           </a:prstGeom>
           <a:noFill/>
           <a:extLst>
-            <a:ext uri="{909E8E84-426E-40DD-AFC4-6F175D3DCCD1}">
+            <a:ext uri="{909E8E84-426E-40dd-AFC4-6F175D3DCCD1}">
               <a14:hiddenFill xmlns:a14="http://schemas.microsoft.com/office/drawing/2010/main">
                 <a:solidFill>
                   <a:srgbClr val="FFFFFF"/>
@@ -9062,7 +9046,7 @@
           </a:prstGeom>
           <a:noFill/>
           <a:extLst>
-            <a:ext uri="{909E8E84-426E-40DD-AFC4-6F175D3DCCD1}">
+            <a:ext uri="{909E8E84-426E-40dd-AFC4-6F175D3DCCD1}">
               <a14:hiddenFill xmlns:a14="http://schemas.microsoft.com/office/drawing/2010/main">
                 <a:solidFill>
                   <a:srgbClr val="FFFFFF"/>
@@ -9368,21 +9352,7 @@
                 <a:latin typeface="Courier New" pitchFamily="49" charset="0"/>
                 <a:cs typeface="Courier New" pitchFamily="49" charset="0"/>
               </a:rPr>
-              <a:t>"50"));</a:t>
-            </a:r>
-            <a:r>
-              <a:rPr lang="sv-SE" dirty="0" smtClean="0">
-                <a:latin typeface="Courier New" pitchFamily="49" charset="0"/>
-                <a:cs typeface="Courier New" pitchFamily="49" charset="0"/>
-              </a:rPr>
-              <a:t>	</a:t>
-            </a:r>
-            <a:r>
-              <a:rPr lang="sv-SE" dirty="0" smtClean="0">
-                <a:latin typeface="Courier New" pitchFamily="49" charset="0"/>
-                <a:cs typeface="Courier New" pitchFamily="49" charset="0"/>
-              </a:rPr>
-              <a:t>		// </a:t>
+              <a:t>"50"));			// </a:t>
             </a:r>
             <a:r>
               <a:rPr lang="sv-SE" dirty="0" err="1" smtClean="0">
@@ -9477,14 +9447,7 @@
                 <a:latin typeface="Courier New" pitchFamily="49" charset="0"/>
                 <a:cs typeface="Courier New" pitchFamily="49" charset="0"/>
               </a:rPr>
-              <a:t>console.log(input </a:t>
-            </a:r>
-            <a:r>
-              <a:rPr lang="sv-SE" dirty="0">
-                <a:latin typeface="Courier New" pitchFamily="49" charset="0"/>
-                <a:cs typeface="Courier New" pitchFamily="49" charset="0"/>
-              </a:rPr>
-              <a:t>+ 10); </a:t>
+              <a:t>console.log(input + 10); </a:t>
             </a:r>
             <a:r>
               <a:rPr lang="sv-SE" dirty="0" smtClean="0">
@@ -9527,14 +9490,7 @@
                 <a:latin typeface="Courier New" pitchFamily="49" charset="0"/>
                 <a:cs typeface="Courier New" pitchFamily="49" charset="0"/>
               </a:rPr>
-              <a:t>input </a:t>
-            </a:r>
-            <a:r>
-              <a:rPr lang="sv-SE" dirty="0" smtClean="0">
-                <a:latin typeface="Courier New" pitchFamily="49" charset="0"/>
-                <a:cs typeface="Courier New" pitchFamily="49" charset="0"/>
-              </a:rPr>
-              <a:t>+ 10);   // 15</a:t>
+              <a:t>input + 10);   // 15</a:t>
             </a:r>
           </a:p>
         </p:txBody>
@@ -9579,9 +9535,6 @@
               </a:rPr>
               <a:t> "+" &amp; "-"-operator)</a:t>
             </a:r>
-            <a:endParaRPr lang="sv-SE" dirty="0" smtClean="0">
-              <a:latin typeface="Minya Nouvelle" pitchFamily="2" charset="0"/>
-            </a:endParaRPr>
           </a:p>
         </p:txBody>
       </p:sp>
@@ -9831,14 +9784,14 @@
           </a:ln>
           <a:effectLst/>
           <a:extLst>
-            <a:ext uri="{909E8E84-426E-40DD-AFC4-6F175D3DCCD1}">
+            <a:ext uri="{909E8E84-426E-40dd-AFC4-6F175D3DCCD1}">
               <a14:hiddenFill xmlns:a14="http://schemas.microsoft.com/office/drawing/2010/main">
                 <a:solidFill>
                   <a:schemeClr val="accent1"/>
                 </a:solidFill>
               </a14:hiddenFill>
             </a:ext>
-            <a:ext uri="{91240B29-F687-4F45-9708-019B960494DF}">
+            <a:ext uri="{91240B29-F687-4f45-9708-019B960494DF}">
               <a14:hiddenLine xmlns:a14="http://schemas.microsoft.com/office/drawing/2010/main" w="9525">
                 <a:solidFill>
                   <a:schemeClr val="tx1"/>
@@ -9848,7 +9801,7 @@
                 <a:tailEnd/>
               </a14:hiddenLine>
             </a:ext>
-            <a:ext uri="{AF507438-7753-43E0-B8FC-AC1667EBCBE1}">
+            <a:ext uri="{AF507438-7753-43e0-B8FC-AC1667EBCBE1}">
               <a14:hiddenEffects xmlns:a14="http://schemas.microsoft.com/office/drawing/2010/main">
                 <a:effectLst>
                   <a:outerShdw dist="35921" dir="2700000" algn="ctr" rotWithShape="0">
@@ -11207,14 +11160,7 @@
                 <a:latin typeface="Courier New" pitchFamily="49" charset="0"/>
                 <a:cs typeface="Courier New" pitchFamily="49" charset="0"/>
               </a:rPr>
-              <a:t>(myStr.length-1</a:t>
-            </a:r>
-            <a:r>
-              <a:rPr lang="sv-SE" dirty="0" smtClean="0">
-                <a:latin typeface="Courier New" pitchFamily="49" charset="0"/>
-                <a:cs typeface="Courier New" pitchFamily="49" charset="0"/>
-              </a:rPr>
-              <a:t>);</a:t>
+              <a:t>(myStr.length-1);</a:t>
             </a:r>
           </a:p>
           <a:p>
@@ -11273,10 +11219,6 @@
               </a:rPr>
               <a:t>;</a:t>
             </a:r>
-            <a:endParaRPr lang="sv-SE" dirty="0" smtClean="0">
-              <a:latin typeface="Courier New" pitchFamily="49" charset="0"/>
-              <a:cs typeface="Courier New" pitchFamily="49" charset="0"/>
-            </a:endParaRPr>
           </a:p>
         </p:txBody>
       </p:sp>
@@ -11402,14 +11344,14 @@
           <p:nvPr>
             <p:extLst>
               <p:ext uri="{D42A27DB-BD31-4B8C-83A1-F6EECF244321}">
-                <p14:modId xmlns:p14="http://schemas.microsoft.com/office/powerpoint/2010/main" val="1257695944"/>
+                <p14:modId xmlns:p14="http://schemas.microsoft.com/office/powerpoint/2010/main" val="4054706051"/>
               </p:ext>
             </p:extLst>
           </p:nvPr>
         </p:nvGraphicFramePr>
         <p:xfrm>
           <a:off x="1187624" y="1345332"/>
-          <a:ext cx="6888088" cy="3337560"/>
+          <a:ext cx="6888088" cy="3606800"/>
         </p:xfrm>
         <a:graphic>
           <a:graphicData uri="http://schemas.openxmlformats.org/drawingml/2006/table">
@@ -11473,12 +11415,25 @@
                     <a:p>
                       <a:r>
                         <a:rPr lang="sv-SE" dirty="0" smtClean="0"/>
-                        <a:t>Adderar två tal eller</a:t>
+                        <a:t>Adderar två </a:t>
+                      </a:r>
+                      <a:r>
+                        <a:rPr lang="sv-SE" dirty="0" smtClean="0"/>
+                        <a:t>tal,</a:t>
                       </a:r>
                       <a:r>
                         <a:rPr lang="sv-SE" baseline="0" dirty="0" smtClean="0"/>
-                        <a:t> konkatenerar två strängar</a:t>
+                        <a:t> konkatenerar </a:t>
                       </a:r>
+                      <a:r>
+                        <a:rPr lang="sv-SE" baseline="0" dirty="0" smtClean="0"/>
+                        <a:t>två </a:t>
+                      </a:r>
+                      <a:r>
+                        <a:rPr lang="sv-SE" baseline="0" dirty="0" smtClean="0"/>
+                        <a:t>strängar eller omvandlar ett tal till en sträng.</a:t>
+                      </a:r>
+                      <a:endParaRPr lang="sv-SE" baseline="0" dirty="0" smtClean="0"/>
                     </a:p>
                   </a:txBody>
                   <a:tcPr/>
@@ -11792,12 +11747,6 @@
               </a:rPr>
               <a:t>-= 1</a:t>
             </a:r>
-            <a:endParaRPr lang="sv-SE" dirty="0" smtClean="0">
-              <a:solidFill>
-                <a:srgbClr val="FF0000"/>
-              </a:solidFill>
-              <a:latin typeface="Minya Nouvelle" pitchFamily="2" charset="0"/>
-            </a:endParaRPr>
           </a:p>
         </p:txBody>
       </p:sp>
@@ -11809,7 +11758,7 @@
         </p:nvSpPr>
         <p:spPr>
           <a:xfrm>
-            <a:off x="4681330" y="4025348"/>
+            <a:off x="4788024" y="4297660"/>
             <a:ext cx="2584174" cy="1126387"/>
           </a:xfrm>
           <a:custGeom>
@@ -12412,12 +12361,6 @@
               </a:rPr>
               <a:t>!==</a:t>
             </a:r>
-            <a:endParaRPr lang="sv-SE" dirty="0" smtClean="0">
-              <a:solidFill>
-                <a:srgbClr val="FF0000"/>
-              </a:solidFill>
-              <a:latin typeface="Minya Nouvelle" pitchFamily="2" charset="0"/>
-            </a:endParaRPr>
           </a:p>
         </p:txBody>
       </p:sp>
@@ -12850,7 +12793,7 @@
   <p:timing>
     <p:tnLst>
       <p:par>
-        <p:cTn id="1" dur="indefinite" restart="never" nodeType="tmRoot"/>
+        <p:cTn xmlns:p14="http://schemas.microsoft.com/office/powerpoint/2010/main" id="1" dur="indefinite" restart="never" nodeType="tmRoot"/>
       </p:par>
     </p:tnLst>
   </p:timing>
@@ -13182,7 +13125,7 @@
   <p:timing>
     <p:tnLst>
       <p:par>
-        <p:cTn id="1" dur="indefinite" restart="never" nodeType="tmRoot"/>
+        <p:cTn xmlns:p14="http://schemas.microsoft.com/office/powerpoint/2010/main" id="1" dur="indefinite" restart="never" nodeType="tmRoot"/>
       </p:par>
     </p:tnLst>
   </p:timing>
@@ -13424,7 +13367,7 @@
           </a:prstGeom>
           <a:noFill/>
           <a:extLst>
-            <a:ext uri="{909E8E84-426E-40DD-AFC4-6F175D3DCCD1}">
+            <a:ext uri="{909E8E84-426E-40dd-AFC4-6F175D3DCCD1}">
               <a14:hiddenFill xmlns:a14="http://schemas.microsoft.com/office/drawing/2010/main">
                 <a:solidFill>
                   <a:srgbClr val="FFFFFF"/>
@@ -13442,7 +13385,7 @@
   <p:timing>
     <p:tnLst>
       <p:par>
-        <p:cTn id="1" dur="indefinite" restart="never" nodeType="tmRoot"/>
+        <p:cTn xmlns:p14="http://schemas.microsoft.com/office/powerpoint/2010/main" id="1" dur="indefinite" restart="never" nodeType="tmRoot"/>
       </p:par>
     </p:tnLst>
   </p:timing>
@@ -13566,23 +13509,85 @@
                 <a:latin typeface="Courier New" pitchFamily="49" charset="0"/>
                 <a:cs typeface="Courier New" pitchFamily="49" charset="0"/>
               </a:rPr>
-              <a:t>console.log("</a:t>
+              <a:t>console.log("Det fryser på");</a:t>
+            </a:r>
+          </a:p>
+          <a:p>
+            <a:r>
+              <a:rPr lang="sv-SE" b="1" dirty="0" smtClean="0">
+                <a:latin typeface="Courier New" pitchFamily="49" charset="0"/>
+                <a:cs typeface="Courier New" pitchFamily="49" charset="0"/>
+              </a:rPr>
+              <a:t>}</a:t>
+            </a:r>
+          </a:p>
+          <a:p>
+            <a:r>
+              <a:rPr lang="sv-SE" b="1" dirty="0" err="1" smtClean="0">
+                <a:latin typeface="Courier New" pitchFamily="49" charset="0"/>
+                <a:cs typeface="Courier New" pitchFamily="49" charset="0"/>
+              </a:rPr>
+              <a:t>else</a:t>
+            </a:r>
+            <a:r>
+              <a:rPr lang="sv-SE" b="1" dirty="0" smtClean="0">
+                <a:latin typeface="Courier New" pitchFamily="49" charset="0"/>
+                <a:cs typeface="Courier New" pitchFamily="49" charset="0"/>
+              </a:rPr>
+              <a:t> </a:t>
+            </a:r>
+            <a:r>
+              <a:rPr lang="sv-SE" b="1" dirty="0" err="1" smtClean="0">
+                <a:latin typeface="Courier New" pitchFamily="49" charset="0"/>
+                <a:cs typeface="Courier New" pitchFamily="49" charset="0"/>
+              </a:rPr>
+              <a:t>if</a:t>
+            </a:r>
+            <a:r>
+              <a:rPr lang="sv-SE" b="1" dirty="0" smtClean="0">
+                <a:latin typeface="Courier New" pitchFamily="49" charset="0"/>
+                <a:cs typeface="Courier New" pitchFamily="49" charset="0"/>
+              </a:rPr>
+              <a:t>(</a:t>
             </a:r>
             <a:r>
               <a:rPr lang="sv-SE" dirty="0" smtClean="0">
                 <a:latin typeface="Courier New" pitchFamily="49" charset="0"/>
                 <a:cs typeface="Courier New" pitchFamily="49" charset="0"/>
               </a:rPr>
-              <a:t>Det fryser på");</a:t>
-            </a:r>
-          </a:p>
-          <a:p>
+              <a:t>temperatur &gt; 0</a:t>
+            </a:r>
             <a:r>
               <a:rPr lang="sv-SE" b="1" dirty="0" smtClean="0">
                 <a:latin typeface="Courier New" pitchFamily="49" charset="0"/>
                 <a:cs typeface="Courier New" pitchFamily="49" charset="0"/>
               </a:rPr>
-              <a:t>}</a:t>
+              <a:t>){</a:t>
+            </a:r>
+          </a:p>
+          <a:p>
+            <a:r>
+              <a:rPr lang="sv-SE" dirty="0">
+                <a:latin typeface="Courier New" pitchFamily="49" charset="0"/>
+                <a:cs typeface="Courier New" pitchFamily="49" charset="0"/>
+              </a:rPr>
+              <a:t>	</a:t>
+            </a:r>
+            <a:r>
+              <a:rPr lang="sv-SE" dirty="0" smtClean="0">
+                <a:latin typeface="Courier New" pitchFamily="49" charset="0"/>
+                <a:cs typeface="Courier New" pitchFamily="49" charset="0"/>
+              </a:rPr>
+              <a:t>console.log("Det tar sig");</a:t>
+            </a:r>
+          </a:p>
+          <a:p>
+            <a:r>
+              <a:rPr lang="sv-SE" b="1" dirty="0" smtClean="0">
+                <a:latin typeface="Courier New" pitchFamily="49" charset="0"/>
+                <a:cs typeface="Courier New" pitchFamily="49" charset="0"/>
+              </a:rPr>
+              <a:t>} </a:t>
             </a:r>
           </a:p>
           <a:p>
@@ -13598,106 +13603,16 @@
                 <a:latin typeface="Courier New" pitchFamily="49" charset="0"/>
                 <a:cs typeface="Courier New" pitchFamily="49" charset="0"/>
               </a:rPr>
-              <a:t> </a:t>
-            </a:r>
-            <a:r>
-              <a:rPr lang="sv-SE" b="1" dirty="0" err="1" smtClean="0">
-                <a:latin typeface="Courier New" pitchFamily="49" charset="0"/>
-                <a:cs typeface="Courier New" pitchFamily="49" charset="0"/>
-              </a:rPr>
-              <a:t>if</a:t>
-            </a:r>
-            <a:r>
-              <a:rPr lang="sv-SE" b="1" dirty="0" smtClean="0">
-                <a:latin typeface="Courier New" pitchFamily="49" charset="0"/>
-                <a:cs typeface="Courier New" pitchFamily="49" charset="0"/>
-              </a:rPr>
-              <a:t>(</a:t>
-            </a:r>
+              <a:t> {</a:t>
+            </a:r>
+          </a:p>
+          <a:p>
             <a:r>
               <a:rPr lang="sv-SE" dirty="0" smtClean="0">
                 <a:latin typeface="Courier New" pitchFamily="49" charset="0"/>
                 <a:cs typeface="Courier New" pitchFamily="49" charset="0"/>
               </a:rPr>
-              <a:t>temperatur &gt; 0</a:t>
-            </a:r>
-            <a:r>
-              <a:rPr lang="sv-SE" b="1" dirty="0" smtClean="0">
-                <a:latin typeface="Courier New" pitchFamily="49" charset="0"/>
-                <a:cs typeface="Courier New" pitchFamily="49" charset="0"/>
-              </a:rPr>
-              <a:t>){</a:t>
-            </a:r>
-          </a:p>
-          <a:p>
-            <a:r>
-              <a:rPr lang="sv-SE" dirty="0">
-                <a:latin typeface="Courier New" pitchFamily="49" charset="0"/>
-                <a:cs typeface="Courier New" pitchFamily="49" charset="0"/>
-              </a:rPr>
-              <a:t>	</a:t>
-            </a:r>
-            <a:r>
-              <a:rPr lang="sv-SE" dirty="0" smtClean="0">
-                <a:latin typeface="Courier New" pitchFamily="49" charset="0"/>
-                <a:cs typeface="Courier New" pitchFamily="49" charset="0"/>
-              </a:rPr>
-              <a:t>console.log("</a:t>
-            </a:r>
-            <a:r>
-              <a:rPr lang="sv-SE" dirty="0" smtClean="0">
-                <a:latin typeface="Courier New" pitchFamily="49" charset="0"/>
-                <a:cs typeface="Courier New" pitchFamily="49" charset="0"/>
-              </a:rPr>
-              <a:t>Det tar sig");</a:t>
-            </a:r>
-          </a:p>
-          <a:p>
-            <a:r>
-              <a:rPr lang="sv-SE" b="1" dirty="0" smtClean="0">
-                <a:latin typeface="Courier New" pitchFamily="49" charset="0"/>
-                <a:cs typeface="Courier New" pitchFamily="49" charset="0"/>
-              </a:rPr>
-              <a:t>} </a:t>
-            </a:r>
-          </a:p>
-          <a:p>
-            <a:r>
-              <a:rPr lang="sv-SE" b="1" dirty="0" err="1" smtClean="0">
-                <a:latin typeface="Courier New" pitchFamily="49" charset="0"/>
-                <a:cs typeface="Courier New" pitchFamily="49" charset="0"/>
-              </a:rPr>
-              <a:t>else</a:t>
-            </a:r>
-            <a:r>
-              <a:rPr lang="sv-SE" b="1" dirty="0" smtClean="0">
-                <a:latin typeface="Courier New" pitchFamily="49" charset="0"/>
-                <a:cs typeface="Courier New" pitchFamily="49" charset="0"/>
-              </a:rPr>
-              <a:t> {</a:t>
-            </a:r>
-          </a:p>
-          <a:p>
-            <a:r>
-              <a:rPr lang="sv-SE" dirty="0" smtClean="0">
-                <a:latin typeface="Courier New" pitchFamily="49" charset="0"/>
-                <a:cs typeface="Courier New" pitchFamily="49" charset="0"/>
-              </a:rPr>
-              <a:t>	</a:t>
-            </a:r>
-            <a:r>
-              <a:rPr lang="sv-SE" dirty="0" smtClean="0">
-                <a:latin typeface="Courier New" pitchFamily="49" charset="0"/>
-                <a:cs typeface="Courier New" pitchFamily="49" charset="0"/>
-              </a:rPr>
-              <a:t>console.log("</a:t>
-            </a:r>
-            <a:r>
-              <a:rPr lang="sv-SE" dirty="0" smtClean="0">
-                <a:latin typeface="Courier New" pitchFamily="49" charset="0"/>
-                <a:cs typeface="Courier New" pitchFamily="49" charset="0"/>
-              </a:rPr>
-              <a:t>Ha! Precis noll");</a:t>
+              <a:t>	console.log("Ha! Precis noll");</a:t>
             </a:r>
             <a:endParaRPr lang="sv-SE" dirty="0">
               <a:latin typeface="Courier New" pitchFamily="49" charset="0"/>
@@ -13894,27 +13809,7 @@
                 <a:latin typeface="Courier New" pitchFamily="49" charset="0"/>
                 <a:cs typeface="Times New Roman" pitchFamily="18" charset="0"/>
               </a:rPr>
-              <a:t>	</a:t>
-            </a:r>
-            <a:r>
-              <a:rPr lang="en-GB" sz="2000" b="1" dirty="0" smtClean="0">
-                <a:solidFill>
-                  <a:srgbClr val="000000"/>
-                </a:solidFill>
-                <a:latin typeface="Courier New" pitchFamily="49" charset="0"/>
-                <a:cs typeface="Times New Roman" pitchFamily="18" charset="0"/>
-              </a:rPr>
-              <a:t>console.log("</a:t>
-            </a:r>
-            <a:r>
-              <a:rPr lang="en-GB" sz="2000" b="1" dirty="0" smtClean="0">
-                <a:solidFill>
-                  <a:srgbClr val="000000"/>
-                </a:solidFill>
-                <a:latin typeface="Courier New" pitchFamily="49" charset="0"/>
-                <a:cs typeface="Times New Roman" pitchFamily="18" charset="0"/>
-              </a:rPr>
-              <a:t>Du </a:t>
+              <a:t>	console.log("Du </a:t>
             </a:r>
             <a:r>
               <a:rPr lang="en-GB" sz="2000" b="1" dirty="0" err="1">
@@ -14276,27 +14171,7 @@
                 <a:latin typeface="Courier New" pitchFamily="49" charset="0"/>
                 <a:cs typeface="Times New Roman" pitchFamily="18" charset="0"/>
               </a:rPr>
-              <a:t>	</a:t>
-            </a:r>
-            <a:r>
-              <a:rPr lang="en-GB" sz="2000" b="1" dirty="0" smtClean="0">
-                <a:solidFill>
-                  <a:srgbClr val="000000"/>
-                </a:solidFill>
-                <a:latin typeface="Courier New" pitchFamily="49" charset="0"/>
-                <a:cs typeface="Times New Roman" pitchFamily="18" charset="0"/>
-              </a:rPr>
-              <a:t>console.log("</a:t>
-            </a:r>
-            <a:r>
-              <a:rPr lang="en-GB" sz="2000" b="1" dirty="0" smtClean="0">
-                <a:solidFill>
-                  <a:srgbClr val="000000"/>
-                </a:solidFill>
-                <a:latin typeface="Courier New" pitchFamily="49" charset="0"/>
-                <a:cs typeface="Times New Roman" pitchFamily="18" charset="0"/>
-              </a:rPr>
-              <a:t>Du </a:t>
+              <a:t>	console.log("Du </a:t>
             </a:r>
             <a:r>
               <a:rPr lang="en-GB" sz="2000" b="1" dirty="0" err="1">
@@ -14823,12 +14698,6 @@
               </a:rPr>
               <a:t>Glöm ej!</a:t>
             </a:r>
-            <a:endParaRPr lang="sv-SE" dirty="0" smtClean="0">
-              <a:solidFill>
-                <a:srgbClr val="FF0000"/>
-              </a:solidFill>
-              <a:latin typeface="Minya Nouvelle" pitchFamily="2" charset="0"/>
-            </a:endParaRPr>
           </a:p>
         </p:txBody>
       </p:sp>
@@ -15361,17 +15230,7 @@
                 <a:latin typeface="Courier New" pitchFamily="49" charset="0"/>
                 <a:cs typeface="Times New Roman" pitchFamily="18" charset="0"/>
               </a:rPr>
-              <a:t>+prompt</a:t>
-            </a:r>
-            <a:r>
-              <a:rPr lang="sv-SE" sz="2000" dirty="0" smtClean="0">
-                <a:solidFill>
-                  <a:srgbClr val="000000"/>
-                </a:solidFill>
-                <a:latin typeface="Courier New" pitchFamily="49" charset="0"/>
-                <a:cs typeface="Times New Roman" pitchFamily="18" charset="0"/>
-              </a:rPr>
-              <a:t>("Ange tal större än 100");</a:t>
+              <a:t>+prompt("Ange tal större än 100");</a:t>
             </a:r>
             <a:endParaRPr lang="sv-SE" sz="2000" dirty="0">
               <a:solidFill>
@@ -15588,12 +15447,6 @@
               </a:rPr>
               <a:t>OBS! +</a:t>
             </a:r>
-            <a:endParaRPr lang="sv-SE" dirty="0" smtClean="0">
-              <a:solidFill>
-                <a:srgbClr val="FF0000"/>
-              </a:solidFill>
-              <a:latin typeface="Minya Nouvelle" pitchFamily="2" charset="0"/>
-            </a:endParaRPr>
           </a:p>
         </p:txBody>
       </p:sp>
@@ -15711,6 +15564,8 @@
               </a:rPr>
               <a:t> counter;</a:t>
             </a:r>
+          </a:p>
+          <a:p>
             <a:endParaRPr lang="en-GB" sz="2000" b="1" dirty="0" smtClean="0">
               <a:solidFill>
                 <a:srgbClr val="000000"/>
@@ -15720,6 +15575,25 @@
             </a:endParaRPr>
           </a:p>
           <a:p>
+            <a:r>
+              <a:rPr lang="en-GB" sz="2000" b="1" dirty="0" smtClean="0">
+                <a:solidFill>
+                  <a:srgbClr val="000000"/>
+                </a:solidFill>
+                <a:latin typeface="Courier New" pitchFamily="49" charset="0"/>
+                <a:cs typeface="Times New Roman" pitchFamily="18" charset="0"/>
+              </a:rPr>
+              <a:t>…</a:t>
+            </a:r>
+            <a:endParaRPr lang="en-GB" sz="2000" b="1" dirty="0">
+              <a:solidFill>
+                <a:srgbClr val="000000"/>
+              </a:solidFill>
+              <a:latin typeface="Courier New" pitchFamily="49" charset="0"/>
+              <a:cs typeface="Times New Roman" pitchFamily="18" charset="0"/>
+            </a:endParaRPr>
+          </a:p>
+          <a:p>
             <a:endParaRPr lang="en-GB" sz="2000" b="1" dirty="0" smtClean="0">
               <a:solidFill>
                 <a:srgbClr val="000000"/>
@@ -15737,73 +15611,8 @@
                 <a:latin typeface="Courier New" pitchFamily="49" charset="0"/>
                 <a:cs typeface="Times New Roman" pitchFamily="18" charset="0"/>
               </a:rPr>
-              <a:t>…</a:t>
-            </a:r>
-            <a:endParaRPr lang="en-GB" sz="2000" b="1" dirty="0">
-              <a:solidFill>
-                <a:srgbClr val="000000"/>
-              </a:solidFill>
-              <a:latin typeface="Courier New" pitchFamily="49" charset="0"/>
-              <a:cs typeface="Times New Roman" pitchFamily="18" charset="0"/>
-            </a:endParaRPr>
-          </a:p>
-          <a:p>
-            <a:endParaRPr lang="en-GB" sz="2000" b="1" dirty="0" smtClean="0">
-              <a:solidFill>
-                <a:srgbClr val="000000"/>
-              </a:solidFill>
-              <a:latin typeface="Courier New" pitchFamily="49" charset="0"/>
-              <a:cs typeface="Times New Roman" pitchFamily="18" charset="0"/>
-            </a:endParaRPr>
-          </a:p>
-          <a:p>
-            <a:r>
-              <a:rPr lang="en-GB" sz="2000" b="1" dirty="0" smtClean="0">
-                <a:solidFill>
-                  <a:srgbClr val="000000"/>
-                </a:solidFill>
-                <a:latin typeface="Courier New" pitchFamily="49" charset="0"/>
-                <a:cs typeface="Times New Roman" pitchFamily="18" charset="0"/>
-              </a:rPr>
-              <a:t>for </a:t>
-            </a:r>
-            <a:r>
-              <a:rPr lang="en-GB" sz="2000" b="1" dirty="0" smtClean="0">
-                <a:solidFill>
-                  <a:srgbClr val="000000"/>
-                </a:solidFill>
-                <a:latin typeface="Courier New" pitchFamily="49" charset="0"/>
-                <a:cs typeface="Times New Roman" pitchFamily="18" charset="0"/>
-              </a:rPr>
-              <a:t>(counter </a:t>
-            </a:r>
-            <a:r>
-              <a:rPr lang="en-GB" sz="2000" b="1" dirty="0" smtClean="0">
-                <a:solidFill>
-                  <a:srgbClr val="000000"/>
-                </a:solidFill>
-                <a:latin typeface="Courier New" pitchFamily="49" charset="0"/>
-                <a:cs typeface="Times New Roman" pitchFamily="18" charset="0"/>
-              </a:rPr>
-              <a:t>= 0; counter &lt; 10; </a:t>
-            </a:r>
-            <a:r>
-              <a:rPr lang="en-GB" sz="2000" b="1" dirty="0" smtClean="0">
-                <a:solidFill>
-                  <a:srgbClr val="000000"/>
-                </a:solidFill>
-                <a:latin typeface="Courier New" pitchFamily="49" charset="0"/>
-                <a:cs typeface="Times New Roman" pitchFamily="18" charset="0"/>
-              </a:rPr>
-              <a:t>counter += 1){</a:t>
-            </a:r>
-            <a:endParaRPr lang="en-GB" sz="2000" b="1" dirty="0" smtClean="0">
-              <a:solidFill>
-                <a:srgbClr val="000000"/>
-              </a:solidFill>
-              <a:latin typeface="Courier New" pitchFamily="49" charset="0"/>
-              <a:cs typeface="Times New Roman" pitchFamily="18" charset="0"/>
-            </a:endParaRPr>
+              <a:t>for (counter = 0; counter &lt; 10; counter += 1){</a:t>
+            </a:r>
           </a:p>
           <a:p>
             <a:endParaRPr lang="en-GB" sz="2000" dirty="0" smtClean="0">
@@ -16037,17 +15846,7 @@
                 <a:latin typeface="Courier New" pitchFamily="49" charset="0"/>
                 <a:cs typeface="Times New Roman" pitchFamily="18" charset="0"/>
               </a:rPr>
-              <a:t> </a:t>
-            </a:r>
-            <a:r>
-              <a:rPr lang="en-GB" sz="2000" dirty="0" smtClean="0">
-                <a:solidFill>
-                  <a:srgbClr val="000000"/>
-                </a:solidFill>
-                <a:latin typeface="Courier New" pitchFamily="49" charset="0"/>
-                <a:cs typeface="Times New Roman" pitchFamily="18" charset="0"/>
-              </a:rPr>
-              <a:t>(property </a:t>
+              <a:t> (property </a:t>
             </a:r>
             <a:r>
               <a:rPr lang="en-GB" sz="2000" b="1" dirty="0" smtClean="0">
@@ -16524,13 +16323,6 @@
               </a:rPr>
               <a:t>+=1;</a:t>
             </a:r>
-            <a:endParaRPr lang="en-GB" dirty="0" smtClean="0">
-              <a:solidFill>
-                <a:srgbClr val="000000"/>
-              </a:solidFill>
-              <a:latin typeface="Courier New" pitchFamily="49" charset="0"/>
-              <a:cs typeface="Times New Roman" pitchFamily="18" charset="0"/>
-            </a:endParaRPr>
           </a:p>
           <a:p>
             <a:r>
@@ -16906,13 +16698,6 @@
               </a:rPr>
               <a:t>+=1;</a:t>
             </a:r>
-            <a:endParaRPr lang="en-GB" dirty="0" smtClean="0">
-              <a:solidFill>
-                <a:srgbClr val="000000"/>
-              </a:solidFill>
-              <a:latin typeface="Courier New" pitchFamily="49" charset="0"/>
-              <a:cs typeface="Times New Roman" pitchFamily="18" charset="0"/>
-            </a:endParaRPr>
           </a:p>
           <a:p>
             <a:r>
@@ -17080,7 +16865,7 @@
           </a:prstGeom>
           <a:noFill/>
           <a:extLst>
-            <a:ext uri="{909E8E84-426E-40DD-AFC4-6F175D3DCCD1}">
+            <a:ext uri="{909E8E84-426E-40dd-AFC4-6F175D3DCCD1}">
               <a14:hiddenFill xmlns:a14="http://schemas.microsoft.com/office/drawing/2010/main">
                 <a:solidFill>
                   <a:srgbClr val="FFFFFF"/>
@@ -17140,7 +16925,7 @@
   <p:timing>
     <p:tnLst>
       <p:par>
-        <p:cTn id="1" dur="indefinite" restart="never" nodeType="tmRoot"/>
+        <p:cTn xmlns:p14="http://schemas.microsoft.com/office/powerpoint/2010/main" id="1" dur="indefinite" restart="never" nodeType="tmRoot"/>
       </p:par>
     </p:tnLst>
   </p:timing>
@@ -17330,12 +17115,6 @@
               </a:rPr>
               <a:t>Undvik dock</a:t>
             </a:r>
-            <a:endParaRPr lang="sv-SE" sz="1600" b="1" dirty="0" smtClean="0">
-              <a:solidFill>
-                <a:srgbClr val="FF0000"/>
-              </a:solidFill>
-              <a:latin typeface="Minya Nouvelle" pitchFamily="2" charset="0"/>
-            </a:endParaRPr>
           </a:p>
         </p:txBody>
       </p:sp>
@@ -17445,7 +17224,7 @@
   <p:timing>
     <p:tnLst>
       <p:par>
-        <p:cTn id="1" dur="indefinite" restart="never" nodeType="tmRoot"/>
+        <p:cTn xmlns:p14="http://schemas.microsoft.com/office/powerpoint/2010/main" id="1" dur="indefinite" restart="never" nodeType="tmRoot"/>
       </p:par>
     </p:tnLst>
   </p:timing>
@@ -17943,7 +17722,7 @@
   <p:timing>
     <p:tnLst>
       <p:par>
-        <p:cTn id="1" dur="indefinite" restart="never" nodeType="tmRoot"/>
+        <p:cTn xmlns:p14="http://schemas.microsoft.com/office/powerpoint/2010/main" id="1" dur="indefinite" restart="never" nodeType="tmRoot"/>
       </p:par>
     </p:tnLst>
   </p:timing>
@@ -18407,7 +18186,7 @@
   <p:timing>
     <p:tnLst>
       <p:par>
-        <p:cTn id="1" dur="indefinite" restart="never" nodeType="tmRoot"/>
+        <p:cTn xmlns:p14="http://schemas.microsoft.com/office/powerpoint/2010/main" id="1" dur="indefinite" restart="never" nodeType="tmRoot"/>
       </p:par>
     </p:tnLst>
   </p:timing>
@@ -18921,7 +18700,7 @@
   <p:timing>
     <p:tnLst>
       <p:par>
-        <p:cTn id="1" dur="indefinite" restart="never" nodeType="tmRoot"/>
+        <p:cTn xmlns:p14="http://schemas.microsoft.com/office/powerpoint/2010/main" id="1" dur="indefinite" restart="never" nodeType="tmRoot"/>
       </p:par>
     </p:tnLst>
   </p:timing>

--- a/lectures/E02-The-Review/E02 - The Review.pptx
+++ b/lectures/E02-The-Review/E02 - The Review.pptx
@@ -223,7 +223,7 @@
             <a:fld id="{D591C14E-198E-48A7-ABEC-7FB80E868E55}" type="datetimeFigureOut">
               <a:rPr lang="sv-SE" smtClean="0"/>
               <a:pPr/>
-              <a:t>2013-11-12</a:t>
+              <a:t>2013-11-13</a:t>
             </a:fld>
             <a:endParaRPr lang="sv-SE"/>
           </a:p>
@@ -390,7 +390,7 @@
             <a:fld id="{188BB863-C913-48B5-BD1A-638D82A0C76B}" type="datetimeFigureOut">
               <a:rPr lang="sv-SE" smtClean="0"/>
               <a:pPr/>
-              <a:t>2013-11-12</a:t>
+              <a:t>2013-11-13</a:t>
             </a:fld>
             <a:endParaRPr lang="sv-SE"/>
           </a:p>
@@ -8635,17 +8635,8 @@
               <a:rPr lang="sv-SE" sz="2800" b="1" dirty="0" smtClean="0">
                 <a:latin typeface="Minya Nouvelle" pitchFamily="2" charset="0"/>
               </a:rPr>
-              <a:t>Föreläsning 2, </a:t>
-            </a:r>
-            <a:r>
-              <a:rPr lang="sv-SE" sz="2800" b="1" dirty="0" smtClean="0">
-                <a:latin typeface="Minya Nouvelle" pitchFamily="2" charset="0"/>
-              </a:rPr>
-              <a:t>HT2013</a:t>
-            </a:r>
-            <a:endParaRPr lang="sv-SE" sz="2800" b="1" dirty="0" smtClean="0">
-              <a:latin typeface="Minya Nouvelle" pitchFamily="2" charset="0"/>
-            </a:endParaRPr>
+              <a:t>Föreläsning 2, HT2013</a:t>
+            </a:r>
           </a:p>
           <a:p>
             <a:r>
@@ -11415,25 +11406,12 @@
                     <a:p>
                       <a:r>
                         <a:rPr lang="sv-SE" dirty="0" smtClean="0"/>
-                        <a:t>Adderar två </a:t>
-                      </a:r>
-                      <a:r>
-                        <a:rPr lang="sv-SE" dirty="0" smtClean="0"/>
-                        <a:t>tal,</a:t>
+                        <a:t>Adderar två tal,</a:t>
                       </a:r>
                       <a:r>
                         <a:rPr lang="sv-SE" baseline="0" dirty="0" smtClean="0"/>
-                        <a:t> konkatenerar </a:t>
+                        <a:t> konkatenerar två strängar eller omvandlar ett tal till en sträng.</a:t>
                       </a:r>
-                      <a:r>
-                        <a:rPr lang="sv-SE" baseline="0" dirty="0" smtClean="0"/>
-                        <a:t>två </a:t>
-                      </a:r>
-                      <a:r>
-                        <a:rPr lang="sv-SE" baseline="0" dirty="0" smtClean="0"/>
-                        <a:t>strängar eller omvandlar ett tal till en sträng.</a:t>
-                      </a:r>
-                      <a:endParaRPr lang="sv-SE" baseline="0" dirty="0" smtClean="0"/>
                     </a:p>
                   </a:txBody>
                   <a:tcPr/>
@@ -17705,7 +17683,7 @@
               <a:rPr lang="sv-SE" sz="1400" b="1" dirty="0" err="1" smtClean="0"/>
               <a:t>with</a:t>
             </a:r>
-            <a:endParaRPr lang="sv-SE" sz="1400" b="1" dirty="0"/>
+            <a:endParaRPr lang="sv-SE" sz="1400" b="1" dirty="0" smtClean="0"/>
           </a:p>
         </p:txBody>
       </p:sp>
